--- a/src/pages/events/2023-09-14/slides/04-utelecon.pptx
+++ b/src/pages/events/2023-09-14/slides/04-utelecon.pptx
@@ -222,7 +222,7 @@
           <a:p>
             <a:fld id="{6D2A0333-042B-6B44-A752-FAF2BCB7C72B}" type="datetimeFigureOut">
               <a:rPr kumimoji="1" lang="ja-JP" altLang="en-US" smtClean="0"/>
-              <a:t>2023/9/13</a:t>
+              <a:t>2023/9/14</a:t>
             </a:fld>
             <a:endParaRPr kumimoji="1" lang="ja-JP" altLang="en-US"/>
           </a:p>
@@ -5854,11 +5854,11 @@
           <a:lstStyle/>
           <a:p>
             <a:r>
-              <a:rPr lang="en-US" altLang="ja-JP"/>
+              <a:rPr lang="en-US" altLang="ja-JP" dirty="0"/>
               <a:t>ECCS</a:t>
             </a:r>
             <a:r>
-              <a:rPr lang="ja-JP" altLang="en-US"/>
+              <a:rPr lang="ja-JP" altLang="en-US" dirty="0"/>
               <a:t>相談員</a:t>
             </a:r>
           </a:p>
@@ -5883,106 +5883,278 @@
         <p:spPr/>
         <p:txBody>
           <a:bodyPr vert="horz" lIns="91440" tIns="45720" rIns="91440" bIns="45720" rtlCol="0" anchor="t">
-            <a:normAutofit/>
+            <a:normAutofit fontScale="77500" lnSpcReduction="20000"/>
           </a:bodyPr>
           <a:lstStyle/>
           <a:p>
             <a:r>
-              <a:rPr lang="en-US" altLang="ja-JP">
-                <a:ea typeface="メイリオ"/>
+              <a:rPr lang="en-US" altLang="ja-JP" b="0" i="0" dirty="0">
+                <a:solidFill>
+                  <a:srgbClr val="1D1C1D"/>
+                </a:solidFill>
+                <a:effectLst/>
+                <a:latin typeface="NotoSansJP"/>
               </a:rPr>
               <a:t>ECCS</a:t>
             </a:r>
             <a:r>
-              <a:rPr lang="ja-JP" altLang="en-US">
-                <a:ea typeface="メイリオ"/>
+              <a:rPr lang="ja-JP" altLang="en-US" b="0" i="0" dirty="0">
+                <a:solidFill>
+                  <a:srgbClr val="1D1C1D"/>
+                </a:solidFill>
+                <a:effectLst/>
+                <a:latin typeface="NotoSansJP"/>
               </a:rPr>
               <a:t>端末、</a:t>
             </a:r>
             <a:r>
-              <a:rPr lang="en-US" altLang="ja-JP">
-                <a:ea typeface="メイリオ"/>
+              <a:rPr lang="en-US" altLang="ja-JP" b="0" i="0" dirty="0">
+                <a:solidFill>
+                  <a:srgbClr val="1D1C1D"/>
+                </a:solidFill>
+                <a:effectLst/>
+                <a:latin typeface="NotoSansJP"/>
               </a:rPr>
               <a:t>ECCS</a:t>
             </a:r>
             <a:r>
-              <a:rPr lang="ja-JP" altLang="en-US">
-                <a:ea typeface="メイリオ"/>
+              <a:rPr lang="ja-JP" altLang="en-US" b="0" i="0" dirty="0">
+                <a:solidFill>
+                  <a:srgbClr val="1D1C1D"/>
+                </a:solidFill>
+                <a:effectLst/>
+                <a:latin typeface="NotoSansJP"/>
               </a:rPr>
-              <a:t>クラウドメール、</a:t>
-            </a:r>
-            <a:r>
-              <a:rPr lang="en-US" altLang="ja-JP">
-                <a:ea typeface="メイリオ"/>
+              <a:t>クラウドメールなどを中心に、対面でサポートを実施</a:t>
+            </a:r>
+            <a:endParaRPr lang="en-US" altLang="ja-JP" b="0" i="0" dirty="0">
+              <a:solidFill>
+                <a:srgbClr val="1D1C1D"/>
+              </a:solidFill>
+              <a:effectLst/>
+              <a:latin typeface="NotoSansJP"/>
+            </a:endParaRPr>
+          </a:p>
+          <a:p>
+            <a:pPr lvl="1"/>
+            <a:r>
+              <a:rPr lang="en-US" altLang="ja-JP" b="0" i="0" dirty="0" err="1">
+                <a:solidFill>
+                  <a:srgbClr val="1D1C1D"/>
+                </a:solidFill>
+                <a:effectLst/>
+                <a:latin typeface="NotoSansJP"/>
               </a:rPr>
-              <a:t>ITC-LMS</a:t>
-            </a:r>
-            <a:r>
-              <a:rPr lang="ja-JP" altLang="en-US">
-                <a:ea typeface="メイリオ"/>
+              <a:t>UTokyo</a:t>
+            </a:r>
+            <a:r>
+              <a:rPr lang="en-US" altLang="ja-JP" b="0" i="0" dirty="0">
+                <a:solidFill>
+                  <a:srgbClr val="1D1C1D"/>
+                </a:solidFill>
+                <a:effectLst/>
+                <a:latin typeface="NotoSansJP"/>
               </a:rPr>
-              <a:t>などを中心にサポートを実施</a:t>
-            </a:r>
-            <a:endParaRPr lang="en-US" altLang="ja-JP">
-              <a:ea typeface="メイリオ"/>
-            </a:endParaRPr>
+              <a:t> Wi-Fi</a:t>
+            </a:r>
+            <a:r>
+              <a:rPr lang="ja-JP" altLang="en-US" b="0" i="0" dirty="0">
+                <a:solidFill>
+                  <a:srgbClr val="1D1C1D"/>
+                </a:solidFill>
+                <a:effectLst/>
+                <a:latin typeface="NotoSansJP"/>
+              </a:rPr>
+              <a:t>について対面で相談できる唯一の公式窓口</a:t>
+            </a:r>
           </a:p>
           <a:p>
             <a:pPr lvl="1"/>
             <a:r>
-              <a:rPr lang="ja-JP" altLang="en-US"/>
-              <a:t>駒場情報教育棟、図書館</a:t>
-            </a:r>
-            <a:endParaRPr lang="en-US" altLang="ja-JP"/>
-          </a:p>
-          <a:p>
-            <a:pPr lvl="1"/>
-            <a:r>
-              <a:rPr lang="ja-JP" altLang="en-US">
-                <a:ea typeface="メイリオ"/>
+              <a:rPr lang="ja-JP" altLang="en-US" b="0" i="0" dirty="0">
+                <a:solidFill>
+                  <a:srgbClr val="1D1C1D"/>
+                </a:solidFill>
+                <a:effectLst/>
+                <a:latin typeface="NotoSansJP"/>
               </a:rPr>
-              <a:t>本郷情報基盤センター、福武ホール、総合図書館</a:t>
-            </a:r>
-            <a:endParaRPr lang="en-US" altLang="ja-JP">
-              <a:ea typeface="メイリオ"/>
-            </a:endParaRPr>
-          </a:p>
-          <a:p>
-            <a:pPr lvl="2"/>
-            <a:r>
-              <a:rPr lang="ja-JP" altLang="en-US">
-                <a:ea typeface="メイリオ"/>
+              <a:t>システム管理者ではありませんが、「ちょっと詳しい」学生として相談に応じます</a:t>
+            </a:r>
+          </a:p>
+          <a:p>
+            <a:pPr algn="l">
+              <a:buFont typeface="Arial" panose="020B0604020202020204" pitchFamily="34" charset="0"/>
+              <a:buChar char="•"/>
+            </a:pPr>
+            <a:r>
+              <a:rPr lang="ja-JP" altLang="en-US" b="0" i="0" dirty="0">
+                <a:solidFill>
+                  <a:srgbClr val="1D1C1D"/>
+                </a:solidFill>
+                <a:effectLst/>
+                <a:latin typeface="NotoSansJP"/>
               </a:rPr>
-              <a:t>その他　</a:t>
-            </a:r>
-            <a:r>
-              <a:rPr lang="en-US" altLang="ja-JP">
-                <a:ea typeface="メイリオ"/>
+              <a:t>駒場・本郷の</a:t>
+            </a:r>
+            <a:r>
+              <a:rPr lang="en-US" altLang="ja-JP" b="0" i="0" dirty="0">
+                <a:solidFill>
+                  <a:srgbClr val="1D1C1D"/>
+                </a:solidFill>
+                <a:effectLst/>
+                <a:latin typeface="NotoSansJP"/>
               </a:rPr>
               <a:t>ECCS</a:t>
             </a:r>
             <a:r>
-              <a:rPr lang="ja-JP" altLang="en-US">
-                <a:ea typeface="メイリオ"/>
+              <a:rPr lang="ja-JP" altLang="en-US" b="0" i="0" dirty="0">
+                <a:solidFill>
+                  <a:srgbClr val="1D1C1D"/>
+                </a:solidFill>
+                <a:effectLst/>
+                <a:latin typeface="NotoSansJP"/>
               </a:rPr>
-              <a:t>端末室</a:t>
-            </a:r>
-            <a:endParaRPr lang="en-US" altLang="ja-JP">
-              <a:ea typeface="メイリオ"/>
+              <a:t>端末配置場所で勤務しています</a:t>
+            </a:r>
+          </a:p>
+          <a:p>
+            <a:pPr lvl="1"/>
+            <a:r>
+              <a:rPr lang="ja-JP" altLang="en-US" b="0" i="0" dirty="0">
+                <a:solidFill>
+                  <a:srgbClr val="1D1C1D"/>
+                </a:solidFill>
+                <a:effectLst/>
+                <a:latin typeface="NotoSansJP"/>
+              </a:rPr>
+              <a:t>駒場：情報教育棟、駒場図書館</a:t>
+            </a:r>
+          </a:p>
+          <a:p>
+            <a:pPr lvl="1"/>
+            <a:r>
+              <a:rPr lang="ja-JP" altLang="en-US" b="0" i="0" dirty="0">
+                <a:solidFill>
+                  <a:srgbClr val="1D1C1D"/>
+                </a:solidFill>
+                <a:effectLst/>
+                <a:latin typeface="NotoSansJP"/>
+              </a:rPr>
+              <a:t>本郷：情報基盤センター、福武ホール、総合図書館</a:t>
+            </a:r>
+          </a:p>
+          <a:p>
+            <a:pPr lvl="1"/>
+            <a:r>
+              <a:rPr lang="ja-JP" altLang="en-US" b="0" i="0" dirty="0">
+                <a:solidFill>
+                  <a:srgbClr val="1D1C1D"/>
+                </a:solidFill>
+                <a:effectLst/>
+                <a:latin typeface="NotoSansJP"/>
+              </a:rPr>
+              <a:t>その他の</a:t>
+            </a:r>
+            <a:r>
+              <a:rPr lang="en-US" altLang="ja-JP" b="0" i="0" dirty="0">
+                <a:solidFill>
+                  <a:srgbClr val="1D1C1D"/>
+                </a:solidFill>
+                <a:effectLst/>
+                <a:latin typeface="NotoSansJP"/>
+              </a:rPr>
+              <a:t>ECCS</a:t>
+            </a:r>
+            <a:r>
+              <a:rPr lang="ja-JP" altLang="en-US" b="0" i="0" dirty="0">
+                <a:solidFill>
+                  <a:srgbClr val="1D1C1D"/>
+                </a:solidFill>
+                <a:effectLst/>
+                <a:latin typeface="NotoSansJP"/>
+              </a:rPr>
+              <a:t>端末室にも定期的に巡回</a:t>
+            </a:r>
+          </a:p>
+          <a:p>
+            <a:pPr algn="l">
+              <a:buFont typeface="Arial" panose="020B0604020202020204" pitchFamily="34" charset="0"/>
+              <a:buChar char="•"/>
+            </a:pPr>
+            <a:r>
+              <a:rPr lang="ja-JP" altLang="en-US" b="0" i="0" dirty="0">
+                <a:solidFill>
+                  <a:srgbClr val="1D1C1D"/>
+                </a:solidFill>
+                <a:effectLst/>
+                <a:latin typeface="NotoSansJP"/>
+              </a:rPr>
+              <a:t>詳しくは相談員の</a:t>
+            </a:r>
+            <a:r>
+              <a:rPr lang="en-US" altLang="ja-JP" b="0" i="0" dirty="0">
+                <a:solidFill>
+                  <a:srgbClr val="1D1C1D"/>
+                </a:solidFill>
+                <a:effectLst/>
+                <a:latin typeface="NotoSansJP"/>
+              </a:rPr>
+              <a:t>web</a:t>
+            </a:r>
+            <a:r>
+              <a:rPr lang="ja-JP" altLang="en-US" b="0" i="0" dirty="0">
+                <a:solidFill>
+                  <a:srgbClr val="1D1C1D"/>
+                </a:solidFill>
+                <a:effectLst/>
+                <a:latin typeface="NotoSansJP"/>
+              </a:rPr>
+              <a:t>サイトをご確認ください</a:t>
+            </a:r>
+          </a:p>
+          <a:p>
+            <a:pPr lvl="1"/>
+            <a:r>
+              <a:rPr lang="en-US" altLang="ja-JP" b="0" i="0" u="none" strike="noStrike" dirty="0">
+                <a:solidFill>
+                  <a:srgbClr val="1D1C1D"/>
+                </a:solidFill>
+                <a:effectLst/>
+                <a:latin typeface="NotoSansJP"/>
+                <a:hlinkClick r:id="rId2"/>
+              </a:rPr>
+              <a:t>https://www.sodan.ecc.u-tokyo.ac.jp/about-us/</a:t>
+            </a:r>
+            <a:endParaRPr lang="ja-JP" altLang="en-US" b="0" i="0" dirty="0">
+              <a:solidFill>
+                <a:srgbClr val="1D1C1D"/>
+              </a:solidFill>
+              <a:effectLst/>
+              <a:latin typeface="NotoSansJP"/>
             </a:endParaRPr>
           </a:p>
           <a:p>
-            <a:r>
-              <a:rPr lang="ja-JP" altLang="en-US"/>
-              <a:t>対面でのサポートを行っています</a:t>
-            </a:r>
-          </a:p>
-          <a:p>
             <a:pPr lvl="1"/>
-            <a:endParaRPr lang="ja-JP" altLang="en-US">
-              <a:ea typeface="メイリオ"/>
-              <a:cs typeface="Calibri"/>
-            </a:endParaRPr>
+            <a:r>
+              <a:rPr lang="en-US" altLang="ja-JP" b="0" i="0" dirty="0">
+                <a:solidFill>
+                  <a:srgbClr val="1D1C1D"/>
+                </a:solidFill>
+                <a:effectLst/>
+                <a:latin typeface="NotoSansJP"/>
+              </a:rPr>
+              <a:t>FAQ</a:t>
+            </a:r>
+            <a:r>
+              <a:rPr lang="ja-JP" altLang="en-US" b="0" i="0" dirty="0">
+                <a:solidFill>
+                  <a:srgbClr val="1D1C1D"/>
+                </a:solidFill>
+                <a:effectLst/>
+                <a:latin typeface="NotoSansJP"/>
+              </a:rPr>
+              <a:t>も充実しています</a:t>
+            </a:r>
           </a:p>
         </p:txBody>
       </p:sp>
